--- a/阿正的分享.pptx
+++ b/阿正的分享.pptx
@@ -5,10 +5,10 @@
     <p:sldMasterId id="2147483648" r:id="rId1"/>
   </p:sldMasterIdLst>
   <p:notesMasterIdLst>
-    <p:notesMasterId r:id="rId10"/>
+    <p:notesMasterId r:id="rId15"/>
   </p:notesMasterIdLst>
   <p:handoutMasterIdLst>
-    <p:handoutMasterId r:id="rId11"/>
+    <p:handoutMasterId r:id="rId16"/>
   </p:handoutMasterIdLst>
   <p:sldIdLst>
     <p:sldId id="256" r:id="rId3"/>
@@ -18,6 +18,11 @@
     <p:sldId id="260" r:id="rId7"/>
     <p:sldId id="261" r:id="rId8"/>
     <p:sldId id="262" r:id="rId9"/>
+    <p:sldId id="263" r:id="rId10"/>
+    <p:sldId id="264" r:id="rId11"/>
+    <p:sldId id="265" r:id="rId12"/>
+    <p:sldId id="266" r:id="rId13"/>
+    <p:sldId id="267" r:id="rId14"/>
   </p:sldIdLst>
   <p:sldSz cx="12192000" cy="6858000"/>
   <p:notesSz cx="7103745" cy="10234295"/>
@@ -3524,11 +3529,634 @@
         <p:txBody>
           <a:bodyPr/>
           <a:p>
-            <a:r>
-              <a:rPr lang="zh-CN" altLang="en-US" sz="3600"/>
-              <a:t>魏国的百年兴衰</a:t>
-            </a:r>
             <a:endParaRPr lang="zh-CN" altLang="en-US" sz="3600"/>
+          </a:p>
+        </p:txBody>
+      </p:sp>
+    </p:spTree>
+  </p:cSld>
+  <p:clrMapOvr>
+    <a:masterClrMapping/>
+  </p:clrMapOvr>
+</p:sld>
+</file>
+
+<file path=ppt/slides/slide10.xml><?xml version="1.0" encoding="utf-8"?>
+<p:sld xmlns:a="http://schemas.openxmlformats.org/drawingml/2006/main" xmlns:r="http://schemas.openxmlformats.org/officeDocument/2006/relationships" xmlns:p="http://schemas.openxmlformats.org/presentationml/2006/main">
+  <p:cSld>
+    <p:spTree>
+      <p:nvGrpSpPr>
+        <p:cNvPr id="1" name=""/>
+        <p:cNvGrpSpPr/>
+        <p:nvPr/>
+      </p:nvGrpSpPr>
+      <p:grpSpPr/>
+      <p:sp>
+        <p:nvSpPr>
+          <p:cNvPr id="2" name="标题 1"/>
+          <p:cNvSpPr>
+            <a:spLocks noGrp="1"/>
+          </p:cNvSpPr>
+          <p:nvPr>
+            <p:ph type="title"/>
+          </p:nvPr>
+        </p:nvSpPr>
+        <p:spPr/>
+        <p:txBody>
+          <a:bodyPr/>
+          <a:p>
+            <a:r>
+              <a:rPr lang="zh-CN" altLang="en-US" sz="6000" b="0"/>
+              <a:t>齐魏争霸</a:t>
+            </a:r>
+            <a:endParaRPr lang="zh-CN" altLang="en-US" sz="6000" b="0"/>
+          </a:p>
+        </p:txBody>
+      </p:sp>
+      <p:sp>
+        <p:nvSpPr>
+          <p:cNvPr id="4" name="文本框 3"/>
+          <p:cNvSpPr txBox="1"/>
+          <p:nvPr/>
+        </p:nvSpPr>
+        <p:spPr>
+          <a:xfrm>
+            <a:off x="647700" y="1840230"/>
+            <a:ext cx="1488440" cy="768350"/>
+          </a:xfrm>
+          <a:prstGeom prst="rect">
+            <a:avLst/>
+          </a:prstGeom>
+          <a:noFill/>
+        </p:spPr>
+        <p:txBody>
+          <a:bodyPr wrap="square" rtlCol="0">
+            <a:spAutoFit/>
+          </a:bodyPr>
+          <a:p>
+            <a:r>
+              <a:rPr lang="zh-CN" altLang="en-US" sz="4400"/>
+              <a:t>庞涓</a:t>
+            </a:r>
+            <a:endParaRPr lang="zh-CN" altLang="en-US" sz="4400"/>
+          </a:p>
+        </p:txBody>
+      </p:sp>
+      <p:sp>
+        <p:nvSpPr>
+          <p:cNvPr id="5" name="文本框 4"/>
+          <p:cNvSpPr txBox="1"/>
+          <p:nvPr/>
+        </p:nvSpPr>
+        <p:spPr>
+          <a:xfrm>
+            <a:off x="2136140" y="1840230"/>
+            <a:ext cx="2089785" cy="768350"/>
+          </a:xfrm>
+          <a:prstGeom prst="rect">
+            <a:avLst/>
+          </a:prstGeom>
+          <a:noFill/>
+        </p:spPr>
+        <p:txBody>
+          <a:bodyPr wrap="square" rtlCol="0">
+            <a:spAutoFit/>
+          </a:bodyPr>
+          <a:p>
+            <a:r>
+              <a:rPr lang="zh-CN" altLang="en-US" sz="4400"/>
+              <a:t>太子申</a:t>
+            </a:r>
+            <a:endParaRPr lang="zh-CN" altLang="en-US" sz="4400"/>
+          </a:p>
+        </p:txBody>
+      </p:sp>
+      <p:sp>
+        <p:nvSpPr>
+          <p:cNvPr id="6" name="文本框 5"/>
+          <p:cNvSpPr txBox="1"/>
+          <p:nvPr/>
+        </p:nvSpPr>
+        <p:spPr>
+          <a:xfrm>
+            <a:off x="7019925" y="1840230"/>
+            <a:ext cx="1624330" cy="768350"/>
+          </a:xfrm>
+          <a:prstGeom prst="rect">
+            <a:avLst/>
+          </a:prstGeom>
+          <a:noFill/>
+        </p:spPr>
+        <p:txBody>
+          <a:bodyPr wrap="square" rtlCol="0">
+            <a:spAutoFit/>
+          </a:bodyPr>
+          <a:p>
+            <a:r>
+              <a:rPr lang="zh-CN" altLang="en-US" sz="4400"/>
+              <a:t>田忌</a:t>
+            </a:r>
+            <a:endParaRPr lang="zh-CN" altLang="en-US" sz="4400"/>
+          </a:p>
+        </p:txBody>
+      </p:sp>
+      <p:sp>
+        <p:nvSpPr>
+          <p:cNvPr id="7" name="文本框 6"/>
+          <p:cNvSpPr txBox="1"/>
+          <p:nvPr/>
+        </p:nvSpPr>
+        <p:spPr>
+          <a:xfrm>
+            <a:off x="8869045" y="1840230"/>
+            <a:ext cx="1624330" cy="768350"/>
+          </a:xfrm>
+          <a:prstGeom prst="rect">
+            <a:avLst/>
+          </a:prstGeom>
+          <a:noFill/>
+        </p:spPr>
+        <p:txBody>
+          <a:bodyPr wrap="square" rtlCol="0">
+            <a:spAutoFit/>
+          </a:bodyPr>
+          <a:p>
+            <a:r>
+              <a:rPr lang="zh-CN" altLang="en-US" sz="4400"/>
+              <a:t>孙膑</a:t>
+            </a:r>
+            <a:endParaRPr lang="zh-CN" altLang="en-US" sz="4400"/>
+          </a:p>
+        </p:txBody>
+      </p:sp>
+      <p:sp>
+        <p:nvSpPr>
+          <p:cNvPr id="8" name="文本框 7"/>
+          <p:cNvSpPr txBox="1"/>
+          <p:nvPr/>
+        </p:nvSpPr>
+        <p:spPr>
+          <a:xfrm>
+            <a:off x="4351655" y="2608580"/>
+            <a:ext cx="2543175" cy="768350"/>
+          </a:xfrm>
+          <a:prstGeom prst="rect">
+            <a:avLst/>
+          </a:prstGeom>
+          <a:noFill/>
+        </p:spPr>
+        <p:txBody>
+          <a:bodyPr wrap="square" rtlCol="0">
+            <a:spAutoFit/>
+          </a:bodyPr>
+          <a:p>
+            <a:r>
+              <a:rPr lang="zh-CN" altLang="en-US" sz="4400"/>
+              <a:t>桂陵之战</a:t>
+            </a:r>
+            <a:endParaRPr lang="zh-CN" altLang="en-US" sz="4400"/>
+          </a:p>
+        </p:txBody>
+      </p:sp>
+      <p:sp>
+        <p:nvSpPr>
+          <p:cNvPr id="9" name="文本框 8"/>
+          <p:cNvSpPr txBox="1"/>
+          <p:nvPr/>
+        </p:nvSpPr>
+        <p:spPr>
+          <a:xfrm>
+            <a:off x="4368800" y="5786755"/>
+            <a:ext cx="2526665" cy="768350"/>
+          </a:xfrm>
+          <a:prstGeom prst="rect">
+            <a:avLst/>
+          </a:prstGeom>
+          <a:noFill/>
+        </p:spPr>
+        <p:txBody>
+          <a:bodyPr wrap="square" rtlCol="0">
+            <a:spAutoFit/>
+          </a:bodyPr>
+          <a:p>
+            <a:r>
+              <a:rPr lang="zh-CN" altLang="en-US" sz="4400"/>
+              <a:t>马陵之战</a:t>
+            </a:r>
+            <a:endParaRPr lang="zh-CN" altLang="en-US" sz="4400"/>
+          </a:p>
+        </p:txBody>
+      </p:sp>
+      <p:cxnSp>
+        <p:nvCxnSpPr>
+          <p:cNvPr id="10" name="直接箭头连接符 9"/>
+          <p:cNvCxnSpPr>
+            <a:stCxn id="4" idx="2"/>
+            <a:endCxn id="8" idx="1"/>
+          </p:cNvCxnSpPr>
+          <p:nvPr/>
+        </p:nvCxnSpPr>
+        <p:spPr>
+          <a:xfrm>
+            <a:off x="1391920" y="2608580"/>
+            <a:ext cx="2959735" cy="384175"/>
+          </a:xfrm>
+          <a:prstGeom prst="straightConnector1">
+            <a:avLst/>
+          </a:prstGeom>
+          <a:ln w="76200">
+            <a:solidFill>
+              <a:schemeClr val="tx1"/>
+            </a:solidFill>
+            <a:tailEnd type="arrow"/>
+          </a:ln>
+        </p:spPr>
+        <p:style>
+          <a:lnRef idx="1">
+            <a:schemeClr val="accent1"/>
+          </a:lnRef>
+          <a:fillRef idx="0">
+            <a:schemeClr val="accent1"/>
+          </a:fillRef>
+          <a:effectRef idx="0">
+            <a:schemeClr val="accent1"/>
+          </a:effectRef>
+          <a:fontRef idx="minor">
+            <a:schemeClr val="tx1"/>
+          </a:fontRef>
+        </p:style>
+      </p:cxnSp>
+      <p:cxnSp>
+        <p:nvCxnSpPr>
+          <p:cNvPr id="11" name="直接箭头连接符 10"/>
+          <p:cNvCxnSpPr>
+            <a:stCxn id="7" idx="2"/>
+            <a:endCxn id="8" idx="3"/>
+          </p:cNvCxnSpPr>
+          <p:nvPr/>
+        </p:nvCxnSpPr>
+        <p:spPr>
+          <a:xfrm flipH="1">
+            <a:off x="6894830" y="2608580"/>
+            <a:ext cx="2786380" cy="384175"/>
+          </a:xfrm>
+          <a:prstGeom prst="straightConnector1">
+            <a:avLst/>
+          </a:prstGeom>
+          <a:ln w="76200">
+            <a:solidFill>
+              <a:schemeClr val="tx1"/>
+            </a:solidFill>
+            <a:tailEnd type="arrow"/>
+          </a:ln>
+        </p:spPr>
+        <p:style>
+          <a:lnRef idx="1">
+            <a:schemeClr val="accent1"/>
+          </a:lnRef>
+          <a:fillRef idx="0">
+            <a:schemeClr val="accent1"/>
+          </a:fillRef>
+          <a:effectRef idx="0">
+            <a:schemeClr val="accent1"/>
+          </a:effectRef>
+          <a:fontRef idx="minor">
+            <a:schemeClr val="tx1"/>
+          </a:fontRef>
+        </p:style>
+      </p:cxnSp>
+      <p:cxnSp>
+        <p:nvCxnSpPr>
+          <p:cNvPr id="12" name="直接箭头连接符 11"/>
+          <p:cNvCxnSpPr/>
+          <p:nvPr/>
+        </p:nvCxnSpPr>
+        <p:spPr>
+          <a:xfrm flipH="1">
+            <a:off x="5629275" y="3376930"/>
+            <a:ext cx="5080" cy="988060"/>
+          </a:xfrm>
+          <a:prstGeom prst="straightConnector1">
+            <a:avLst/>
+          </a:prstGeom>
+          <a:ln w="76200">
+            <a:solidFill>
+              <a:schemeClr val="tx1"/>
+            </a:solidFill>
+            <a:tailEnd type="arrow"/>
+          </a:ln>
+        </p:spPr>
+        <p:style>
+          <a:lnRef idx="1">
+            <a:schemeClr val="accent1"/>
+          </a:lnRef>
+          <a:fillRef idx="0">
+            <a:schemeClr val="accent1"/>
+          </a:fillRef>
+          <a:effectRef idx="0">
+            <a:schemeClr val="accent1"/>
+          </a:effectRef>
+          <a:fontRef idx="minor">
+            <a:schemeClr val="tx1"/>
+          </a:fontRef>
+        </p:style>
+      </p:cxnSp>
+      <p:sp>
+        <p:nvSpPr>
+          <p:cNvPr id="13" name="文本框 12"/>
+          <p:cNvSpPr txBox="1"/>
+          <p:nvPr/>
+        </p:nvSpPr>
+        <p:spPr>
+          <a:xfrm>
+            <a:off x="4351655" y="4197985"/>
+            <a:ext cx="2526665" cy="768350"/>
+          </a:xfrm>
+          <a:prstGeom prst="rect">
+            <a:avLst/>
+          </a:prstGeom>
+          <a:noFill/>
+        </p:spPr>
+        <p:txBody>
+          <a:bodyPr wrap="square" rtlCol="0">
+            <a:spAutoFit/>
+          </a:bodyPr>
+          <a:p>
+            <a:r>
+              <a:rPr lang="zh-CN" altLang="en-US" sz="4400"/>
+              <a:t>逢泽会盟</a:t>
+            </a:r>
+            <a:endParaRPr lang="zh-CN" altLang="en-US" sz="4400"/>
+          </a:p>
+        </p:txBody>
+      </p:sp>
+      <p:cxnSp>
+        <p:nvCxnSpPr>
+          <p:cNvPr id="14" name="直接箭头连接符 13"/>
+          <p:cNvCxnSpPr>
+            <a:stCxn id="13" idx="2"/>
+            <a:endCxn id="9" idx="0"/>
+          </p:cNvCxnSpPr>
+          <p:nvPr/>
+        </p:nvCxnSpPr>
+        <p:spPr>
+          <a:xfrm>
+            <a:off x="5615305" y="4966335"/>
+            <a:ext cx="17145" cy="820420"/>
+          </a:xfrm>
+          <a:prstGeom prst="straightConnector1">
+            <a:avLst/>
+          </a:prstGeom>
+          <a:ln w="76200">
+            <a:solidFill>
+              <a:schemeClr val="tx1"/>
+            </a:solidFill>
+            <a:tailEnd type="arrow"/>
+          </a:ln>
+        </p:spPr>
+        <p:style>
+          <a:lnRef idx="1">
+            <a:schemeClr val="accent1"/>
+          </a:lnRef>
+          <a:fillRef idx="0">
+            <a:schemeClr val="accent1"/>
+          </a:fillRef>
+          <a:effectRef idx="0">
+            <a:schemeClr val="accent1"/>
+          </a:effectRef>
+          <a:fontRef idx="minor">
+            <a:schemeClr val="tx1"/>
+          </a:fontRef>
+        </p:style>
+      </p:cxnSp>
+    </p:spTree>
+  </p:cSld>
+  <p:clrMapOvr>
+    <a:masterClrMapping/>
+  </p:clrMapOvr>
+</p:sld>
+</file>
+
+<file path=ppt/slides/slide11.xml><?xml version="1.0" encoding="utf-8"?>
+<p:sld xmlns:a="http://schemas.openxmlformats.org/drawingml/2006/main" xmlns:r="http://schemas.openxmlformats.org/officeDocument/2006/relationships" xmlns:p="http://schemas.openxmlformats.org/presentationml/2006/main">
+  <p:cSld>
+    <p:spTree>
+      <p:nvGrpSpPr>
+        <p:cNvPr id="1" name=""/>
+        <p:cNvGrpSpPr/>
+        <p:nvPr/>
+      </p:nvGrpSpPr>
+      <p:grpSpPr/>
+      <p:sp>
+        <p:nvSpPr>
+          <p:cNvPr id="2" name="标题 1"/>
+          <p:cNvSpPr>
+            <a:spLocks noGrp="1"/>
+          </p:cNvSpPr>
+          <p:nvPr>
+            <p:ph type="title"/>
+          </p:nvPr>
+        </p:nvSpPr>
+        <p:spPr/>
+        <p:txBody>
+          <a:bodyPr/>
+          <a:p>
+            <a:r>
+              <a:rPr lang="zh-CN" altLang="en-US" sz="6000" b="0"/>
+              <a:t>割地求和</a:t>
+            </a:r>
+            <a:endParaRPr lang="zh-CN" altLang="en-US" sz="6000" b="0"/>
+          </a:p>
+        </p:txBody>
+      </p:sp>
+      <p:sp>
+        <p:nvSpPr>
+          <p:cNvPr id="4" name="文本框 3"/>
+          <p:cNvSpPr txBox="1"/>
+          <p:nvPr/>
+        </p:nvSpPr>
+        <p:spPr>
+          <a:xfrm>
+            <a:off x="647700" y="1823085"/>
+            <a:ext cx="1859280" cy="768350"/>
+          </a:xfrm>
+          <a:prstGeom prst="rect">
+            <a:avLst/>
+          </a:prstGeom>
+          <a:noFill/>
+        </p:spPr>
+        <p:txBody>
+          <a:bodyPr wrap="none" rtlCol="0">
+            <a:spAutoFit/>
+          </a:bodyPr>
+          <a:p>
+            <a:r>
+              <a:rPr lang="zh-CN" altLang="en-US" sz="4400"/>
+              <a:t>公子昂</a:t>
+            </a:r>
+            <a:endParaRPr lang="zh-CN" altLang="en-US" sz="4400"/>
+          </a:p>
+        </p:txBody>
+      </p:sp>
+      <p:sp>
+        <p:nvSpPr>
+          <p:cNvPr id="5" name="文本框 4"/>
+          <p:cNvSpPr txBox="1"/>
+          <p:nvPr/>
+        </p:nvSpPr>
+        <p:spPr>
+          <a:xfrm>
+            <a:off x="8467725" y="1823085"/>
+            <a:ext cx="1300480" cy="768350"/>
+          </a:xfrm>
+          <a:prstGeom prst="rect">
+            <a:avLst/>
+          </a:prstGeom>
+          <a:noFill/>
+        </p:spPr>
+        <p:txBody>
+          <a:bodyPr wrap="none" rtlCol="0">
+            <a:spAutoFit/>
+          </a:bodyPr>
+          <a:p>
+            <a:r>
+              <a:rPr lang="zh-CN" altLang="en-US" sz="4400"/>
+              <a:t>商鞅</a:t>
+            </a:r>
+            <a:endParaRPr lang="zh-CN" altLang="en-US" sz="4400"/>
+          </a:p>
+        </p:txBody>
+      </p:sp>
+      <p:sp>
+        <p:nvSpPr>
+          <p:cNvPr id="6" name="文本框 5"/>
+          <p:cNvSpPr txBox="1"/>
+          <p:nvPr/>
+        </p:nvSpPr>
+        <p:spPr>
+          <a:xfrm>
+            <a:off x="647700" y="3438525"/>
+            <a:ext cx="1300480" cy="768350"/>
+          </a:xfrm>
+          <a:prstGeom prst="rect">
+            <a:avLst/>
+          </a:prstGeom>
+          <a:noFill/>
+        </p:spPr>
+        <p:txBody>
+          <a:bodyPr wrap="none" rtlCol="0">
+            <a:spAutoFit/>
+          </a:bodyPr>
+          <a:p>
+            <a:r>
+              <a:rPr lang="zh-CN" altLang="en-US" sz="4400"/>
+              <a:t>龙贾</a:t>
+            </a:r>
+            <a:endParaRPr lang="zh-CN" altLang="en-US" sz="4400"/>
+          </a:p>
+        </p:txBody>
+      </p:sp>
+      <p:sp>
+        <p:nvSpPr>
+          <p:cNvPr id="7" name="文本框 6"/>
+          <p:cNvSpPr txBox="1"/>
+          <p:nvPr/>
+        </p:nvSpPr>
+        <p:spPr>
+          <a:xfrm>
+            <a:off x="8467725" y="3438525"/>
+            <a:ext cx="1859280" cy="768350"/>
+          </a:xfrm>
+          <a:prstGeom prst="rect">
+            <a:avLst/>
+          </a:prstGeom>
+          <a:noFill/>
+        </p:spPr>
+        <p:txBody>
+          <a:bodyPr wrap="none" rtlCol="0">
+            <a:spAutoFit/>
+          </a:bodyPr>
+          <a:p>
+            <a:r>
+              <a:rPr lang="zh-CN" altLang="en-US" sz="4400"/>
+              <a:t>公孙衍</a:t>
+            </a:r>
+            <a:endParaRPr lang="zh-CN" altLang="en-US" sz="4400"/>
+          </a:p>
+        </p:txBody>
+      </p:sp>
+      <p:sp>
+        <p:nvSpPr>
+          <p:cNvPr id="8" name="文本框 7"/>
+          <p:cNvSpPr txBox="1"/>
+          <p:nvPr/>
+        </p:nvSpPr>
+        <p:spPr>
+          <a:xfrm>
+            <a:off x="8467725" y="5003800"/>
+            <a:ext cx="1300480" cy="768350"/>
+          </a:xfrm>
+          <a:prstGeom prst="rect">
+            <a:avLst/>
+          </a:prstGeom>
+          <a:noFill/>
+        </p:spPr>
+        <p:txBody>
+          <a:bodyPr wrap="none" rtlCol="0">
+            <a:spAutoFit/>
+          </a:bodyPr>
+          <a:p>
+            <a:r>
+              <a:rPr lang="zh-CN" altLang="en-US" sz="4400"/>
+              <a:t>张仪</a:t>
+            </a:r>
+            <a:endParaRPr lang="zh-CN" altLang="en-US" sz="4400"/>
+          </a:p>
+        </p:txBody>
+      </p:sp>
+    </p:spTree>
+  </p:cSld>
+  <p:clrMapOvr>
+    <a:masterClrMapping/>
+  </p:clrMapOvr>
+</p:sld>
+</file>
+
+<file path=ppt/slides/slide12.xml><?xml version="1.0" encoding="utf-8"?>
+<p:sld xmlns:a="http://schemas.openxmlformats.org/drawingml/2006/main" xmlns:r="http://schemas.openxmlformats.org/officeDocument/2006/relationships" xmlns:p="http://schemas.openxmlformats.org/presentationml/2006/main">
+  <p:cSld>
+    <p:spTree>
+      <p:nvGrpSpPr>
+        <p:cNvPr id="1" name=""/>
+        <p:cNvGrpSpPr/>
+        <p:nvPr/>
+      </p:nvGrpSpPr>
+      <p:grpSpPr/>
+      <p:sp>
+        <p:nvSpPr>
+          <p:cNvPr id="4" name="标题 3"/>
+          <p:cNvSpPr/>
+          <p:nvPr>
+            <p:ph type="title"/>
+          </p:nvPr>
+        </p:nvSpPr>
+        <p:spPr>
+          <a:xfrm>
+            <a:off x="664210" y="492760"/>
+            <a:ext cx="10515600" cy="1325563"/>
+          </a:xfrm>
+        </p:spPr>
+        <p:txBody>
+          <a:bodyPr>
+            <a:noAutofit/>
+          </a:bodyPr>
+          <a:p>
+            <a:pPr algn="ctr"/>
+            <a:r>
+              <a:rPr lang="zh-CN" altLang="en-US" sz="9600" b="0"/>
+              <a:t>辉煌落幕</a:t>
+            </a:r>
+            <a:endParaRPr lang="zh-CN" altLang="en-US" sz="9600" b="0"/>
           </a:p>
         </p:txBody>
       </p:sp>
@@ -3571,7 +4199,7 @@
           <a:p>
             <a:r>
               <a:rPr lang="zh-CN" altLang="en-US" sz="6000" b="0"/>
-              <a:t>赵魏韩三家分晋</a:t>
+              <a:t>三家分晋</a:t>
             </a:r>
             <a:endParaRPr lang="zh-CN" altLang="en-US" sz="6000" b="0"/>
           </a:p>
@@ -3902,7 +4530,7 @@
           <a:p>
             <a:r>
               <a:rPr lang="zh-CN" altLang="en-US" sz="3200"/>
-              <a:t>韩魏反水智氏灭族，三家分晋</a:t>
+              <a:t>韩魏反水智氏灭族  三家分晋</a:t>
             </a:r>
             <a:endParaRPr lang="zh-CN" altLang="en-US" sz="3200"/>
           </a:p>
@@ -3981,7 +4609,7 @@
           <a:p>
             <a:r>
               <a:rPr lang="zh-CN" altLang="en-US" sz="6000" b="0"/>
-              <a:t>一代贤君  魏文侯</a:t>
+              <a:t>一代贤君</a:t>
             </a:r>
             <a:endParaRPr lang="zh-CN" altLang="en-US" sz="6000" b="0"/>
           </a:p>
@@ -4693,8 +5321,8 @@
         </p:nvSpPr>
         <p:spPr>
           <a:xfrm>
-            <a:off x="6069965" y="2026285"/>
-            <a:ext cx="4289425" cy="1445260"/>
+            <a:off x="6186805" y="2364740"/>
+            <a:ext cx="4289425" cy="768350"/>
           </a:xfrm>
           <a:prstGeom prst="rect">
             <a:avLst/>
@@ -4711,15 +5339,6 @@
                 <a:sym typeface="+mn-ea"/>
               </a:rPr>
               <a:t>子夏坐镇西河</a:t>
-            </a:r>
-            <a:endParaRPr lang="zh-CN" altLang="en-US" sz="4400">
-              <a:sym typeface="+mn-ea"/>
-            </a:endParaRPr>
-          </a:p>
-          <a:p>
-            <a:r>
-              <a:rPr lang="zh-CN" altLang="en-US" sz="4400"/>
-              <a:t>士人蜂拥而至</a:t>
             </a:r>
             <a:endParaRPr lang="zh-CN" altLang="en-US" sz="4400"/>
           </a:p>
@@ -4737,7 +5356,7 @@
         <p:spPr>
           <a:xfrm>
             <a:off x="4326890" y="2748915"/>
-            <a:ext cx="1743075" cy="0"/>
+            <a:ext cx="1859915" cy="0"/>
           </a:xfrm>
           <a:prstGeom prst="straightConnector1">
             <a:avLst/>
@@ -4800,7 +5419,7 @@
           <a:p>
             <a:r>
               <a:rPr lang="zh-CN" altLang="en-US" sz="6000"/>
-              <a:t>力克中山 三晋封侯</a:t>
+              <a:t>三晋封侯</a:t>
             </a:r>
             <a:endParaRPr lang="en-US" altLang="zh-CN" sz="6000"/>
           </a:p>
@@ -4914,7 +5533,7 @@
           <a:p>
             <a:r>
               <a:rPr lang="zh-CN" altLang="en-US" sz="6000" b="0"/>
-              <a:t>璜成争相</a:t>
+              <a:t>吴起争相</a:t>
             </a:r>
             <a:endParaRPr lang="zh-CN" altLang="en-US" sz="6000" b="0"/>
           </a:p>
@@ -4922,14 +5541,14 @@
       </p:sp>
       <p:sp>
         <p:nvSpPr>
-          <p:cNvPr id="5" name="文本框 4"/>
+          <p:cNvPr id="3" name="文本框 2"/>
           <p:cNvSpPr txBox="1"/>
           <p:nvPr/>
         </p:nvSpPr>
         <p:spPr>
           <a:xfrm>
-            <a:off x="647700" y="1861185"/>
-            <a:ext cx="1731645" cy="768350"/>
+            <a:off x="647700" y="1722755"/>
+            <a:ext cx="10302240" cy="4399915"/>
           </a:xfrm>
           <a:prstGeom prst="rect">
             <a:avLst/>
@@ -4942,39 +5561,10 @@
           </a:bodyPr>
           <a:p>
             <a:r>
-              <a:rPr lang="zh-CN" altLang="en-US" sz="4400"/>
-              <a:t>翟璜</a:t>
-            </a:r>
-            <a:endParaRPr lang="zh-CN" altLang="en-US" sz="4400"/>
-          </a:p>
-        </p:txBody>
-      </p:sp>
-      <p:sp>
-        <p:nvSpPr>
-          <p:cNvPr id="6" name="文本框 5"/>
-          <p:cNvSpPr txBox="1"/>
-          <p:nvPr/>
-        </p:nvSpPr>
-        <p:spPr>
-          <a:xfrm>
-            <a:off x="5933440" y="1861185"/>
-            <a:ext cx="2341880" cy="768350"/>
-          </a:xfrm>
-          <a:prstGeom prst="rect">
-            <a:avLst/>
-          </a:prstGeom>
-          <a:noFill/>
-        </p:spPr>
-        <p:txBody>
-          <a:bodyPr wrap="square" rtlCol="0">
-            <a:spAutoFit/>
-          </a:bodyPr>
-          <a:p>
-            <a:r>
-              <a:rPr lang="zh-CN" altLang="en-US" sz="4400"/>
-              <a:t>公子成</a:t>
-            </a:r>
-            <a:endParaRPr lang="zh-CN" altLang="en-US" sz="4400"/>
+              <a:rPr lang="zh-CN" altLang="en-US" sz="2800"/>
+              <a:t>吴起为西河守，甚有声名。魏置相，相田文。吴起不悦，谓田文曰：“请与子论功，可乎？”田文曰：“可。”起曰：“将三军，使士卒乐死，敌国不敢谋，子孰与起？”文曰：“不如子。”起曰：“治百官，亲万民，实府库，子孰与起？”文曰：“不如子。”起曰：“守西河而秦兵不敢东乡，韩赵宾从，子孰与起？”文曰：“不如子。”起曰：“此三者，子皆出吾下，而位加吾上，何也？”文曰：“主少国疑，大臣未附，百姓不信，方是之时，属之於子乎？属之於我乎？”起默然良久，曰：“属之子矣。”文曰：“此乃吾所以居子之上也。”吴起乃自知弗如田文。田文既死，公叔为相，尚魏公主，而害吴起。</a:t>
+            </a:r>
+            <a:endParaRPr lang="zh-CN" altLang="en-US" sz="2800"/>
           </a:p>
         </p:txBody>
       </p:sp>
@@ -5012,7 +5602,319 @@
           <a:p>
             <a:r>
               <a:rPr lang="zh-CN" altLang="en-US" sz="6000" b="0"/>
-              <a:t>武侯继位 衰落的开始</a:t>
+              <a:t>阴晋克秦</a:t>
+            </a:r>
+            <a:endParaRPr lang="zh-CN" altLang="en-US" sz="6000" b="0"/>
+          </a:p>
+        </p:txBody>
+      </p:sp>
+      <p:sp>
+        <p:nvSpPr>
+          <p:cNvPr id="3" name="文本框 2"/>
+          <p:cNvSpPr txBox="1"/>
+          <p:nvPr/>
+        </p:nvSpPr>
+        <p:spPr>
+          <a:xfrm>
+            <a:off x="647700" y="3444875"/>
+            <a:ext cx="3077210" cy="768350"/>
+          </a:xfrm>
+          <a:prstGeom prst="rect">
+            <a:avLst/>
+          </a:prstGeom>
+          <a:noFill/>
+        </p:spPr>
+        <p:txBody>
+          <a:bodyPr wrap="square" rtlCol="0">
+            <a:spAutoFit/>
+          </a:bodyPr>
+          <a:p>
+            <a:r>
+              <a:rPr lang="zh-CN" sz="4400"/>
+              <a:t>五万</a:t>
+            </a:r>
+            <a:endParaRPr lang="zh-CN" sz="4400"/>
+          </a:p>
+        </p:txBody>
+      </p:sp>
+      <p:sp>
+        <p:nvSpPr>
+          <p:cNvPr id="4" name="文本框 3"/>
+          <p:cNvSpPr txBox="1"/>
+          <p:nvPr/>
+        </p:nvSpPr>
+        <p:spPr>
+          <a:xfrm>
+            <a:off x="647700" y="2317750"/>
+            <a:ext cx="1421765" cy="768350"/>
+          </a:xfrm>
+          <a:prstGeom prst="rect">
+            <a:avLst/>
+          </a:prstGeom>
+          <a:noFill/>
+        </p:spPr>
+        <p:txBody>
+          <a:bodyPr wrap="square" rtlCol="0">
+            <a:spAutoFit/>
+          </a:bodyPr>
+          <a:p>
+            <a:r>
+              <a:rPr lang="zh-CN" sz="4400"/>
+              <a:t>吴起</a:t>
+            </a:r>
+            <a:endParaRPr lang="zh-CN" sz="4400"/>
+          </a:p>
+        </p:txBody>
+      </p:sp>
+      <p:sp>
+        <p:nvSpPr>
+          <p:cNvPr id="7" name="文本框 6"/>
+          <p:cNvSpPr txBox="1"/>
+          <p:nvPr/>
+        </p:nvSpPr>
+        <p:spPr>
+          <a:xfrm>
+            <a:off x="3430270" y="2317750"/>
+            <a:ext cx="2642235" cy="768350"/>
+          </a:xfrm>
+          <a:prstGeom prst="rect">
+            <a:avLst/>
+          </a:prstGeom>
+          <a:noFill/>
+        </p:spPr>
+        <p:txBody>
+          <a:bodyPr wrap="square" rtlCol="0">
+            <a:spAutoFit/>
+          </a:bodyPr>
+          <a:p>
+            <a:r>
+              <a:rPr lang="zh-CN" sz="4400"/>
+              <a:t>秦惠公</a:t>
+            </a:r>
+            <a:endParaRPr lang="zh-CN" sz="4400"/>
+          </a:p>
+        </p:txBody>
+      </p:sp>
+      <p:sp>
+        <p:nvSpPr>
+          <p:cNvPr id="8" name="文本框 7"/>
+          <p:cNvSpPr txBox="1"/>
+          <p:nvPr/>
+        </p:nvSpPr>
+        <p:spPr>
+          <a:xfrm>
+            <a:off x="3430270" y="3444875"/>
+            <a:ext cx="2876550" cy="768350"/>
+          </a:xfrm>
+          <a:prstGeom prst="rect">
+            <a:avLst/>
+          </a:prstGeom>
+          <a:noFill/>
+        </p:spPr>
+        <p:txBody>
+          <a:bodyPr wrap="square" rtlCol="0">
+            <a:spAutoFit/>
+          </a:bodyPr>
+          <a:p>
+            <a:r>
+              <a:rPr lang="zh-CN" sz="4400"/>
+              <a:t>五十万</a:t>
+            </a:r>
+            <a:endParaRPr lang="zh-CN" sz="4400"/>
+          </a:p>
+        </p:txBody>
+      </p:sp>
+      <p:sp>
+        <p:nvSpPr>
+          <p:cNvPr id="10" name="文本框 9"/>
+          <p:cNvSpPr txBox="1"/>
+          <p:nvPr/>
+        </p:nvSpPr>
+        <p:spPr>
+          <a:xfrm>
+            <a:off x="6507480" y="2919730"/>
+            <a:ext cx="4147185" cy="768350"/>
+          </a:xfrm>
+          <a:prstGeom prst="rect">
+            <a:avLst/>
+          </a:prstGeom>
+          <a:noFill/>
+        </p:spPr>
+        <p:txBody>
+          <a:bodyPr wrap="square" rtlCol="0">
+            <a:spAutoFit/>
+          </a:bodyPr>
+          <a:p>
+            <a:r>
+              <a:rPr lang="zh-CN" sz="4400"/>
+              <a:t>秦惠公郁郁而终</a:t>
+            </a:r>
+            <a:endParaRPr lang="zh-CN" sz="4400"/>
+          </a:p>
+        </p:txBody>
+      </p:sp>
+    </p:spTree>
+  </p:cSld>
+  <p:clrMapOvr>
+    <a:masterClrMapping/>
+  </p:clrMapOvr>
+</p:sld>
+</file>
+
+<file path=ppt/slides/slide8.xml><?xml version="1.0" encoding="utf-8"?>
+<p:sld xmlns:a="http://schemas.openxmlformats.org/drawingml/2006/main" xmlns:r="http://schemas.openxmlformats.org/officeDocument/2006/relationships" xmlns:p="http://schemas.openxmlformats.org/presentationml/2006/main">
+  <p:cSld>
+    <p:spTree>
+      <p:nvGrpSpPr>
+        <p:cNvPr id="1" name=""/>
+        <p:cNvGrpSpPr/>
+        <p:nvPr/>
+      </p:nvGrpSpPr>
+      <p:grpSpPr/>
+      <p:sp>
+        <p:nvSpPr>
+          <p:cNvPr id="2" name="标题 1"/>
+          <p:cNvSpPr>
+            <a:spLocks noGrp="1"/>
+          </p:cNvSpPr>
+          <p:nvPr>
+            <p:ph type="title"/>
+          </p:nvPr>
+        </p:nvSpPr>
+        <p:spPr/>
+        <p:txBody>
+          <a:bodyPr/>
+          <a:p>
+            <a:r>
+              <a:rPr lang="zh-CN" altLang="en-US" sz="6000" b="0"/>
+              <a:t>田氏代齐</a:t>
+            </a:r>
+            <a:endParaRPr lang="zh-CN" altLang="en-US" sz="6000" b="0"/>
+          </a:p>
+        </p:txBody>
+      </p:sp>
+      <p:sp>
+        <p:nvSpPr>
+          <p:cNvPr id="4" name="文本框 3"/>
+          <p:cNvSpPr txBox="1"/>
+          <p:nvPr/>
+        </p:nvSpPr>
+        <p:spPr>
+          <a:xfrm>
+            <a:off x="785495" y="1856740"/>
+            <a:ext cx="6823075" cy="768350"/>
+          </a:xfrm>
+          <a:prstGeom prst="rect">
+            <a:avLst/>
+          </a:prstGeom>
+          <a:noFill/>
+        </p:spPr>
+        <p:txBody>
+          <a:bodyPr wrap="square" rtlCol="0">
+            <a:spAutoFit/>
+          </a:bodyPr>
+          <a:p>
+            <a:r>
+              <a:rPr lang="zh-CN" altLang="en-US" sz="4400"/>
+              <a:t>礼乐崩坏的标志性事件</a:t>
+            </a:r>
+            <a:endParaRPr lang="zh-CN" altLang="en-US" sz="4400"/>
+          </a:p>
+        </p:txBody>
+      </p:sp>
+      <p:sp>
+        <p:nvSpPr>
+          <p:cNvPr id="6" name="文本框 5"/>
+          <p:cNvSpPr txBox="1"/>
+          <p:nvPr/>
+        </p:nvSpPr>
+        <p:spPr>
+          <a:xfrm>
+            <a:off x="785495" y="3271520"/>
+            <a:ext cx="3477895" cy="768350"/>
+          </a:xfrm>
+          <a:prstGeom prst="rect">
+            <a:avLst/>
+          </a:prstGeom>
+          <a:noFill/>
+        </p:spPr>
+        <p:txBody>
+          <a:bodyPr wrap="square" rtlCol="0">
+            <a:spAutoFit/>
+          </a:bodyPr>
+          <a:p>
+            <a:r>
+              <a:rPr lang="zh-CN" altLang="en-US" sz="4400"/>
+              <a:t>恶棍横行 </a:t>
+            </a:r>
+            <a:endParaRPr lang="zh-CN" altLang="en-US" sz="4400"/>
+          </a:p>
+        </p:txBody>
+      </p:sp>
+      <p:sp>
+        <p:nvSpPr>
+          <p:cNvPr id="7" name="文本框 6"/>
+          <p:cNvSpPr txBox="1"/>
+          <p:nvPr/>
+        </p:nvSpPr>
+        <p:spPr>
+          <a:xfrm>
+            <a:off x="6214110" y="3271520"/>
+            <a:ext cx="3477895" cy="768350"/>
+          </a:xfrm>
+          <a:prstGeom prst="rect">
+            <a:avLst/>
+          </a:prstGeom>
+          <a:noFill/>
+        </p:spPr>
+        <p:txBody>
+          <a:bodyPr wrap="square" rtlCol="0">
+            <a:spAutoFit/>
+          </a:bodyPr>
+          <a:p>
+            <a:r>
+              <a:rPr lang="zh-CN" altLang="en-US" sz="4400"/>
+              <a:t>骗子当道</a:t>
+            </a:r>
+            <a:endParaRPr lang="zh-CN" altLang="en-US" sz="4400"/>
+          </a:p>
+        </p:txBody>
+      </p:sp>
+    </p:spTree>
+  </p:cSld>
+  <p:clrMapOvr>
+    <a:masterClrMapping/>
+  </p:clrMapOvr>
+</p:sld>
+</file>
+
+<file path=ppt/slides/slide9.xml><?xml version="1.0" encoding="utf-8"?>
+<p:sld xmlns:a="http://schemas.openxmlformats.org/drawingml/2006/main" xmlns:r="http://schemas.openxmlformats.org/officeDocument/2006/relationships" xmlns:p="http://schemas.openxmlformats.org/presentationml/2006/main">
+  <p:cSld>
+    <p:spTree>
+      <p:nvGrpSpPr>
+        <p:cNvPr id="1" name=""/>
+        <p:cNvGrpSpPr/>
+        <p:nvPr/>
+      </p:nvGrpSpPr>
+      <p:grpSpPr/>
+      <p:sp>
+        <p:nvSpPr>
+          <p:cNvPr id="2" name="标题 1"/>
+          <p:cNvSpPr>
+            <a:spLocks noGrp="1"/>
+          </p:cNvSpPr>
+          <p:nvPr>
+            <p:ph type="title"/>
+          </p:nvPr>
+        </p:nvSpPr>
+        <p:spPr/>
+        <p:txBody>
+          <a:bodyPr/>
+          <a:p>
+            <a:r>
+              <a:rPr lang="zh-CN" altLang="en-US" sz="6000" b="0"/>
+              <a:t>浊泽惊变</a:t>
             </a:r>
             <a:endParaRPr lang="zh-CN" altLang="en-US" sz="6000" b="0"/>
           </a:p>
@@ -5026,8 +5928,8 @@
         </p:nvSpPr>
         <p:spPr>
           <a:xfrm>
-            <a:off x="647700" y="1823085"/>
-            <a:ext cx="2542540" cy="768350"/>
+            <a:off x="647700" y="1872615"/>
+            <a:ext cx="2266315" cy="768350"/>
           </a:xfrm>
           <a:prstGeom prst="rect">
             <a:avLst/>
@@ -5041,7 +5943,7 @@
           <a:p>
             <a:r>
               <a:rPr lang="zh-CN" altLang="en-US" sz="4400"/>
-              <a:t>贵族抬头</a:t>
+              <a:t>赵成侯</a:t>
             </a:r>
             <a:endParaRPr lang="zh-CN" altLang="en-US" sz="4400"/>
           </a:p>
@@ -5055,8 +5957,8 @@
         </p:nvSpPr>
         <p:spPr>
           <a:xfrm>
-            <a:off x="647700" y="3295015"/>
-            <a:ext cx="10903585" cy="3046095"/>
+            <a:off x="647700" y="3655695"/>
+            <a:ext cx="2266315" cy="768350"/>
           </a:xfrm>
           <a:prstGeom prst="rect">
             <a:avLst/>
@@ -5069,10 +5971,68 @@
           </a:bodyPr>
           <a:p>
             <a:r>
-              <a:rPr lang="zh-CN" altLang="en-US" sz="2400"/>
-              <a:t>魏置相，相田文。吴起不悦，谓田文曰：“请与子论功，可乎？”田文曰：“可。”起曰：“将三军，使士卒乐死，敌国不敢谋，子孰与起？”文曰：“不如子。”起曰：“治百官，亲万民，实府库，子孰与起？”文曰：“不如子。”起曰：“守西河而秦兵不敢东乡，韩赵宾从，子孰与起？”文曰：“不如子。”起曰：“此三者，子皆出吾下，而位加吾上，何也？”文曰：“主少国疑，大臣未附，百姓不信，方是之时，属之於子乎？属之於我乎？”起默然良久，曰：“属之子矣。”文曰：“此乃吾所以居子之上也。”吴起乃自知弗如田文。田文既死，公叔为相，尚魏公主，而害吴起。</a:t>
-            </a:r>
-            <a:endParaRPr lang="zh-CN" altLang="en-US" sz="2400"/>
+              <a:rPr lang="zh-CN" altLang="en-US" sz="4400"/>
+              <a:t>韩懿侯</a:t>
+            </a:r>
+            <a:endParaRPr lang="zh-CN" altLang="en-US" sz="4400"/>
+          </a:p>
+        </p:txBody>
+      </p:sp>
+      <p:sp>
+        <p:nvSpPr>
+          <p:cNvPr id="7" name="文本框 6"/>
+          <p:cNvSpPr txBox="1"/>
+          <p:nvPr/>
+        </p:nvSpPr>
+        <p:spPr>
+          <a:xfrm>
+            <a:off x="4497070" y="3655695"/>
+            <a:ext cx="2266315" cy="768350"/>
+          </a:xfrm>
+          <a:prstGeom prst="rect">
+            <a:avLst/>
+          </a:prstGeom>
+          <a:noFill/>
+        </p:spPr>
+        <p:txBody>
+          <a:bodyPr wrap="square" rtlCol="0">
+            <a:spAutoFit/>
+          </a:bodyPr>
+          <a:p>
+            <a:r>
+              <a:rPr lang="zh-CN" altLang="en-US" sz="4400"/>
+              <a:t>魏罃</a:t>
+            </a:r>
+            <a:endParaRPr lang="zh-CN" altLang="en-US" sz="4400"/>
+          </a:p>
+        </p:txBody>
+      </p:sp>
+      <p:sp>
+        <p:nvSpPr>
+          <p:cNvPr id="8" name="文本框 7"/>
+          <p:cNvSpPr txBox="1"/>
+          <p:nvPr/>
+        </p:nvSpPr>
+        <p:spPr>
+          <a:xfrm>
+            <a:off x="4497070" y="1872615"/>
+            <a:ext cx="2266315" cy="768350"/>
+          </a:xfrm>
+          <a:prstGeom prst="rect">
+            <a:avLst/>
+          </a:prstGeom>
+          <a:noFill/>
+        </p:spPr>
+        <p:txBody>
+          <a:bodyPr wrap="square" rtlCol="0">
+            <a:spAutoFit/>
+          </a:bodyPr>
+          <a:p>
+            <a:r>
+              <a:rPr lang="zh-CN" altLang="en-US" sz="4400"/>
+              <a:t>魏缓</a:t>
+            </a:r>
+            <a:endParaRPr lang="zh-CN" altLang="en-US" sz="4400"/>
           </a:p>
         </p:txBody>
       </p:sp>
